--- a/Powerpoint/03.DockerFile.pptx
+++ b/Powerpoint/03.DockerFile.pptx
@@ -5198,7 +5198,7 @@
                 <a:cs typeface="Menlo"/>
                 <a:sym typeface="Menlo"/>
               </a:rPr>
-              <a:t>$ docker built -t name .</a:t>
+              <a:t>$ docker build -t name .</a:t>
             </a:r>
             <a:br/>
             <a:br/>
@@ -6198,10 +6198,10 @@
                   <a:solidFill>
                     <a:srgbClr val="53585F"/>
                   </a:solidFill>
-                  <a:latin typeface="Helvetica"/>
-                  <a:ea typeface="Helvetica"/>
-                  <a:cs typeface="Helvetica"/>
-                  <a:sym typeface="Helvetica"/>
+                  <a:latin typeface="Segoe Print"/>
+                  <a:ea typeface="Segoe Print"/>
+                  <a:cs typeface="Segoe Print"/>
+                  <a:sym typeface="Segoe Print"/>
                 </a:defRPr>
               </a:pPr>
               <a:r>
@@ -6214,10 +6214,10 @@
                   <a:solidFill>
                     <a:srgbClr val="53585F"/>
                   </a:solidFill>
-                  <a:latin typeface="Helvetica"/>
-                  <a:ea typeface="Helvetica"/>
-                  <a:cs typeface="Helvetica"/>
-                  <a:sym typeface="Helvetica"/>
+                  <a:latin typeface="Segoe Print"/>
+                  <a:ea typeface="Segoe Print"/>
+                  <a:cs typeface="Segoe Print"/>
+                  <a:sym typeface="Segoe Print"/>
                 </a:defRPr>
               </a:pPr>
               <a:r>
@@ -6314,8 +6314,8 @@
         </p:nvSpPr>
         <p:spPr>
           <a:xfrm>
-            <a:off x="5031561" y="4792635"/>
-            <a:ext cx="1152018" cy="533401"/>
+            <a:off x="5012766" y="4705732"/>
+            <a:ext cx="1189609" cy="707207"/>
           </a:xfrm>
           <a:prstGeom prst="rect">
             <a:avLst/>
@@ -6337,10 +6337,10 @@
           <a:p>
             <a:pPr>
               <a:defRPr b="1" sz="1400">
-                <a:latin typeface="Helvetica"/>
-                <a:ea typeface="Helvetica"/>
-                <a:cs typeface="Helvetica"/>
-                <a:sym typeface="Helvetica"/>
+                <a:latin typeface="Segoe Print"/>
+                <a:ea typeface="Segoe Print"/>
+                <a:cs typeface="Segoe Print"/>
+                <a:sym typeface="Segoe Print"/>
               </a:defRPr>
             </a:pPr>
             <a:r>
@@ -6402,10 +6402,10 @@
                   <a:solidFill>
                     <a:srgbClr val="53585F"/>
                   </a:solidFill>
-                  <a:latin typeface="Helvetica"/>
-                  <a:ea typeface="Helvetica"/>
-                  <a:cs typeface="Helvetica"/>
-                  <a:sym typeface="Helvetica"/>
+                  <a:latin typeface="Segoe Print"/>
+                  <a:ea typeface="Segoe Print"/>
+                  <a:cs typeface="Segoe Print"/>
+                  <a:sym typeface="Segoe Print"/>
                 </a:defRPr>
               </a:lvl1pPr>
             </a:lstStyle>
@@ -6479,8 +6479,8 @@
         </p:nvSpPr>
         <p:spPr>
           <a:xfrm>
-            <a:off x="5825615" y="5916585"/>
-            <a:ext cx="351310" cy="317501"/>
+            <a:off x="5823661" y="5874132"/>
+            <a:ext cx="355217" cy="402407"/>
           </a:xfrm>
           <a:prstGeom prst="rect">
             <a:avLst/>
@@ -6501,10 +6501,10 @@
           <a:lstStyle>
             <a:lvl1pPr>
               <a:defRPr b="1" sz="1400">
-                <a:latin typeface="Helvetica"/>
-                <a:ea typeface="Helvetica"/>
-                <a:cs typeface="Helvetica"/>
-                <a:sym typeface="Helvetica"/>
+                <a:latin typeface="Segoe Print"/>
+                <a:ea typeface="Segoe Print"/>
+                <a:cs typeface="Segoe Print"/>
+                <a:sym typeface="Segoe Print"/>
               </a:defRPr>
             </a:lvl1pPr>
           </a:lstStyle>
@@ -6565,10 +6565,10 @@
                   <a:solidFill>
                     <a:srgbClr val="53585F"/>
                   </a:solidFill>
-                  <a:latin typeface="Helvetica"/>
-                  <a:ea typeface="Helvetica"/>
-                  <a:cs typeface="Helvetica"/>
-                  <a:sym typeface="Helvetica"/>
+                  <a:latin typeface="Segoe Print"/>
+                  <a:ea typeface="Segoe Print"/>
+                  <a:cs typeface="Segoe Print"/>
+                  <a:sym typeface="Segoe Print"/>
                 </a:defRPr>
               </a:lvl1pPr>
             </a:lstStyle>
@@ -6694,8 +6694,8 @@
         </p:nvSpPr>
         <p:spPr>
           <a:xfrm>
-            <a:off x="6586500" y="5205385"/>
-            <a:ext cx="420936" cy="317501"/>
+            <a:off x="6601085" y="5162932"/>
+            <a:ext cx="391766" cy="402407"/>
           </a:xfrm>
           <a:prstGeom prst="rect">
             <a:avLst/>
@@ -6716,10 +6716,10 @@
           <a:lstStyle>
             <a:lvl1pPr>
               <a:defRPr b="1" sz="1400">
-                <a:latin typeface="Helvetica"/>
-                <a:ea typeface="Helvetica"/>
-                <a:cs typeface="Helvetica"/>
-                <a:sym typeface="Helvetica"/>
+                <a:latin typeface="Segoe Print"/>
+                <a:ea typeface="Segoe Print"/>
+                <a:cs typeface="Segoe Print"/>
+                <a:sym typeface="Segoe Print"/>
               </a:defRPr>
             </a:lvl1pPr>
           </a:lstStyle>
@@ -6780,10 +6780,10 @@
                   <a:solidFill>
                     <a:srgbClr val="53585F"/>
                   </a:solidFill>
-                  <a:latin typeface="Helvetica"/>
-                  <a:ea typeface="Helvetica"/>
-                  <a:cs typeface="Helvetica"/>
-                  <a:sym typeface="Helvetica"/>
+                  <a:latin typeface="Segoe Print"/>
+                  <a:ea typeface="Segoe Print"/>
+                  <a:cs typeface="Segoe Print"/>
+                  <a:sym typeface="Segoe Print"/>
                 </a:defRPr>
               </a:lvl1pPr>
             </a:lstStyle>
@@ -6975,8 +6975,8 @@
         </p:nvSpPr>
         <p:spPr>
           <a:xfrm>
-            <a:off x="1174842" y="3975938"/>
-            <a:ext cx="3125056" cy="381001"/>
+            <a:off x="1026999" y="3921355"/>
+            <a:ext cx="3420742" cy="490167"/>
           </a:xfrm>
           <a:prstGeom prst="rect">
             <a:avLst/>
@@ -6997,10 +6997,10 @@
           <a:lstStyle>
             <a:lvl1pPr>
               <a:defRPr b="1" sz="1800">
-                <a:latin typeface="Helvetica"/>
-                <a:ea typeface="Helvetica"/>
-                <a:cs typeface="Helvetica"/>
-                <a:sym typeface="Helvetica"/>
+                <a:latin typeface="Segoe Print"/>
+                <a:ea typeface="Segoe Print"/>
+                <a:cs typeface="Segoe Print"/>
+                <a:sym typeface="Segoe Print"/>
               </a:defRPr>
             </a:lvl1pPr>
           </a:lstStyle>
@@ -7435,14 +7435,14 @@
       </p:par>
     </p:tnLst>
     <p:bldLst>
-      <p:bldP build="whole" bldLvl="1" animBg="1" rev="0" advAuto="0" spid="174" grpId="7"/>
       <p:bldP build="whole" bldLvl="1" animBg="1" rev="0" advAuto="0" spid="168" grpId="4"/>
+      <p:bldP build="whole" bldLvl="1" animBg="1" rev="0" advAuto="0" spid="164" grpId="2"/>
       <p:bldP build="whole" bldLvl="1" animBg="1" rev="0" advAuto="0" spid="162" grpId="1"/>
       <p:bldP build="whole" bldLvl="1" animBg="1" rev="0" advAuto="0" spid="166" grpId="3"/>
+      <p:bldP build="whole" bldLvl="1" animBg="1" rev="0" advAuto="0" spid="172" grpId="6"/>
       <p:bldP build="whole" bldLvl="1" animBg="1" rev="0" advAuto="0" spid="170" grpId="5"/>
+      <p:bldP build="whole" bldLvl="1" animBg="1" rev="0" advAuto="0" spid="174" grpId="7"/>
       <p:bldP build="whole" bldLvl="1" animBg="1" rev="0" advAuto="0" spid="176" grpId="8"/>
-      <p:bldP build="whole" bldLvl="1" animBg="1" rev="0" advAuto="0" spid="172" grpId="6"/>
-      <p:bldP build="whole" bldLvl="1" animBg="1" rev="0" advAuto="0" spid="164" grpId="2"/>
     </p:bldLst>
   </p:timing>
 </p:sld>
